--- a/ProjetS2/PresentationProjetS2.pptx
+++ b/ProjetS2/PresentationProjetS2.pptx
@@ -24,6 +24,16 @@
     <p:sldId id="272" r:id="rId18"/>
     <p:sldId id="273" r:id="rId19"/>
     <p:sldId id="274" r:id="rId20"/>
+    <p:sldId id="275" r:id="rId21"/>
+    <p:sldId id="276" r:id="rId22"/>
+    <p:sldId id="277" r:id="rId23"/>
+    <p:sldId id="278" r:id="rId24"/>
+    <p:sldId id="279" r:id="rId25"/>
+    <p:sldId id="280" r:id="rId26"/>
+    <p:sldId id="281" r:id="rId27"/>
+    <p:sldId id="282" r:id="rId28"/>
+    <p:sldId id="283" r:id="rId29"/>
+    <p:sldId id="284" r:id="rId30"/>
   </p:sldIdLst>
   <p:sldSz cx="12192000" cy="6858000"/>
   <p:notesSz cx="6858000" cy="9144000"/>
@@ -6439,19 +6449,9 @@
                   </a:srgbClr>
                 </a:solidFill>
               </a:rPr>
-              <a:t>C. </a:t>
-            </a:r>
-            <a:r>
-              <a:rPr lang="fr-FR">
-                <a:solidFill>
-                  <a:srgbClr val="BD582C">
-                    <a:lumMod val="75000"/>
-                  </a:srgbClr>
-                </a:solidFill>
-              </a:rPr>
-              <a:t>Conception</a:t>
-            </a:r>
-            <a:endParaRPr lang="fr-FR"/>
+              <a:t>C. Conception</a:t>
+            </a:r>
+            <a:endParaRPr lang="fr-FR" dirty="0"/>
           </a:p>
         </p:txBody>
       </p:sp>
@@ -6538,7 +6538,17 @@
           <a:bodyPr/>
           <a:lstStyle/>
           <a:p>
-            <a:endParaRPr lang="fr-FR"/>
+            <a:r>
+              <a:rPr lang="fr-FR" dirty="0" smtClean="0">
+                <a:solidFill>
+                  <a:srgbClr val="BD582C">
+                    <a:lumMod val="75000"/>
+                  </a:srgbClr>
+                </a:solidFill>
+              </a:rPr>
+              <a:t>D. Codage</a:t>
+            </a:r>
+            <a:endParaRPr lang="fr-FR" dirty="0"/>
           </a:p>
         </p:txBody>
       </p:sp>
@@ -6557,7 +6567,36 @@
           <a:bodyPr/>
           <a:lstStyle/>
           <a:p>
-            <a:endParaRPr lang="fr-FR"/>
+            <a:endParaRPr lang="fr-FR" dirty="0" smtClean="0"/>
+          </a:p>
+          <a:p>
+            <a:pPr marL="91440" lvl="3" indent="-91440">
+              <a:spcBef>
+                <a:spcPts val="1200"/>
+              </a:spcBef>
+              <a:spcAft>
+                <a:spcPts val="200"/>
+              </a:spcAft>
+              <a:buSzPct val="100000"/>
+              <a:buFont typeface="Calibri" panose="020F0502020204030204" pitchFamily="34" charset="0"/>
+              <a:buChar char=" "/>
+            </a:pPr>
+            <a:r>
+              <a:rPr lang="fr-FR" sz="3200" dirty="0" smtClean="0">
+                <a:solidFill>
+                  <a:srgbClr val="FFC000"/>
+                </a:solidFill>
+              </a:rPr>
+              <a:t>Fonctionnement de l’application</a:t>
+            </a:r>
+            <a:endParaRPr lang="fr-FR" sz="3200" dirty="0">
+              <a:solidFill>
+                <a:srgbClr val="FFC000"/>
+              </a:solidFill>
+            </a:endParaRPr>
+          </a:p>
+          <a:p>
+            <a:endParaRPr lang="fr-FR" dirty="0"/>
           </a:p>
         </p:txBody>
       </p:sp>
@@ -6787,6 +6826,1242 @@
       </p:transition>
     </mc:Choice>
     <mc:Fallback xmlns="">
+      <p:transition spd="slow">
+        <p:fade/>
+      </p:transition>
+    </mc:Fallback>
+  </mc:AlternateContent>
+  <p:timing>
+    <p:tnLst>
+      <p:par>
+        <p:cTn id="1" dur="indefinite" restart="never" nodeType="tmRoot"/>
+      </p:par>
+    </p:tnLst>
+  </p:timing>
+</p:sld>
+</file>
+
+<file path=ppt/slides/slide20.xml><?xml version="1.0" encoding="utf-8"?>
+<p:sld xmlns:a="http://schemas.openxmlformats.org/drawingml/2006/main" xmlns:r="http://schemas.openxmlformats.org/officeDocument/2006/relationships" xmlns:p="http://schemas.openxmlformats.org/presentationml/2006/main">
+  <p:cSld>
+    <p:spTree>
+      <p:nvGrpSpPr>
+        <p:cNvPr id="1" name=""/>
+        <p:cNvGrpSpPr/>
+        <p:nvPr/>
+      </p:nvGrpSpPr>
+      <p:grpSpPr>
+        <a:xfrm>
+          <a:off x="0" y="0"/>
+          <a:ext cx="0" cy="0"/>
+          <a:chOff x="0" y="0"/>
+          <a:chExt cx="0" cy="0"/>
+        </a:xfrm>
+      </p:grpSpPr>
+      <p:sp>
+        <p:nvSpPr>
+          <p:cNvPr id="2" name="Titre 1"/>
+          <p:cNvSpPr>
+            <a:spLocks noGrp="1"/>
+          </p:cNvSpPr>
+          <p:nvPr>
+            <p:ph type="title"/>
+          </p:nvPr>
+        </p:nvSpPr>
+        <p:spPr/>
+        <p:txBody>
+          <a:bodyPr/>
+          <a:lstStyle/>
+          <a:p>
+            <a:r>
+              <a:rPr lang="fr-FR" dirty="0" smtClean="0">
+                <a:solidFill>
+                  <a:srgbClr val="BD582C">
+                    <a:lumMod val="75000"/>
+                  </a:srgbClr>
+                </a:solidFill>
+              </a:rPr>
+              <a:t>E. Tests</a:t>
+            </a:r>
+            <a:endParaRPr lang="fr-FR" dirty="0"/>
+          </a:p>
+        </p:txBody>
+      </p:sp>
+      <p:sp>
+        <p:nvSpPr>
+          <p:cNvPr id="3" name="Espace réservé du contenu 2"/>
+          <p:cNvSpPr>
+            <a:spLocks noGrp="1"/>
+          </p:cNvSpPr>
+          <p:nvPr>
+            <p:ph idx="1"/>
+          </p:nvPr>
+        </p:nvSpPr>
+        <p:spPr/>
+        <p:txBody>
+          <a:bodyPr/>
+          <a:lstStyle/>
+          <a:p>
+            <a:pPr marL="91440" lvl="3" indent="-91440">
+              <a:spcBef>
+                <a:spcPts val="1200"/>
+              </a:spcBef>
+              <a:spcAft>
+                <a:spcPts val="200"/>
+              </a:spcAft>
+              <a:buSzPct val="100000"/>
+              <a:buFont typeface="Calibri" panose="020F0502020204030204" pitchFamily="34" charset="0"/>
+              <a:buChar char=" "/>
+            </a:pPr>
+            <a:endParaRPr lang="fr-FR" sz="3200" dirty="0" smtClean="0">
+              <a:solidFill>
+                <a:srgbClr val="FFC000"/>
+              </a:solidFill>
+            </a:endParaRPr>
+          </a:p>
+          <a:p>
+            <a:pPr marL="91440" lvl="3" indent="-91440">
+              <a:spcBef>
+                <a:spcPts val="1200"/>
+              </a:spcBef>
+              <a:spcAft>
+                <a:spcPts val="200"/>
+              </a:spcAft>
+              <a:buSzPct val="100000"/>
+              <a:buFont typeface="Calibri" panose="020F0502020204030204" pitchFamily="34" charset="0"/>
+              <a:buChar char=" "/>
+            </a:pPr>
+            <a:r>
+              <a:rPr lang="fr-FR" sz="3200" dirty="0" smtClean="0">
+                <a:solidFill>
+                  <a:srgbClr val="FFC000"/>
+                </a:solidFill>
+              </a:rPr>
+              <a:t>1) Programmes de tests</a:t>
+            </a:r>
+          </a:p>
+          <a:p>
+            <a:pPr marL="91440" lvl="3" indent="-91440">
+              <a:spcBef>
+                <a:spcPts val="1200"/>
+              </a:spcBef>
+              <a:spcAft>
+                <a:spcPts val="200"/>
+              </a:spcAft>
+              <a:buSzPct val="100000"/>
+              <a:buFont typeface="Calibri" panose="020F0502020204030204" pitchFamily="34" charset="0"/>
+              <a:buChar char=" "/>
+            </a:pPr>
+            <a:endParaRPr lang="fr-FR" sz="3200" dirty="0" smtClean="0">
+              <a:solidFill>
+                <a:srgbClr val="FFC000"/>
+              </a:solidFill>
+            </a:endParaRPr>
+          </a:p>
+          <a:p>
+            <a:pPr marL="91440" lvl="3" indent="-91440">
+              <a:spcBef>
+                <a:spcPts val="1200"/>
+              </a:spcBef>
+              <a:spcAft>
+                <a:spcPts val="200"/>
+              </a:spcAft>
+              <a:buSzPct val="100000"/>
+              <a:buFont typeface="Calibri" panose="020F0502020204030204" pitchFamily="34" charset="0"/>
+              <a:buChar char=" "/>
+            </a:pPr>
+            <a:r>
+              <a:rPr lang="fr-FR" sz="3200" dirty="0" smtClean="0">
+                <a:solidFill>
+                  <a:srgbClr val="FFC000"/>
+                </a:solidFill>
+              </a:rPr>
+              <a:t>2) Résultat des programmes de test</a:t>
+            </a:r>
+            <a:endParaRPr lang="fr-FR" sz="3200" dirty="0">
+              <a:solidFill>
+                <a:srgbClr val="FFC000"/>
+              </a:solidFill>
+            </a:endParaRPr>
+          </a:p>
+          <a:p>
+            <a:endParaRPr lang="fr-FR" dirty="0"/>
+          </a:p>
+        </p:txBody>
+      </p:sp>
+    </p:spTree>
+    <p:extLst>
+      <p:ext uri="{BB962C8B-B14F-4D97-AF65-F5344CB8AC3E}">
+        <p14:creationId xmlns:p14="http://schemas.microsoft.com/office/powerpoint/2010/main" val="3311107184"/>
+      </p:ext>
+    </p:extLst>
+  </p:cSld>
+  <p:clrMapOvr>
+    <a:masterClrMapping/>
+  </p:clrMapOvr>
+  <mc:AlternateContent xmlns:mc="http://schemas.openxmlformats.org/markup-compatibility/2006">
+    <mc:Choice xmlns:p14="http://schemas.microsoft.com/office/powerpoint/2010/main" Requires="p14">
+      <p:transition spd="slow" p14:dur="3000">
+        <p14:reveal/>
+      </p:transition>
+    </mc:Choice>
+    <mc:Fallback>
+      <p:transition spd="slow">
+        <p:fade/>
+      </p:transition>
+    </mc:Fallback>
+  </mc:AlternateContent>
+  <p:timing>
+    <p:tnLst>
+      <p:par>
+        <p:cTn id="1" dur="indefinite" restart="never" nodeType="tmRoot"/>
+      </p:par>
+    </p:tnLst>
+  </p:timing>
+</p:sld>
+</file>
+
+<file path=ppt/slides/slide21.xml><?xml version="1.0" encoding="utf-8"?>
+<p:sld xmlns:a="http://schemas.openxmlformats.org/drawingml/2006/main" xmlns:r="http://schemas.openxmlformats.org/officeDocument/2006/relationships" xmlns:p="http://schemas.openxmlformats.org/presentationml/2006/main">
+  <p:cSld>
+    <p:spTree>
+      <p:nvGrpSpPr>
+        <p:cNvPr id="1" name=""/>
+        <p:cNvGrpSpPr/>
+        <p:nvPr/>
+      </p:nvGrpSpPr>
+      <p:grpSpPr>
+        <a:xfrm>
+          <a:off x="0" y="0"/>
+          <a:ext cx="0" cy="0"/>
+          <a:chOff x="0" y="0"/>
+          <a:chExt cx="0" cy="0"/>
+        </a:xfrm>
+      </p:grpSpPr>
+      <p:sp>
+        <p:nvSpPr>
+          <p:cNvPr id="2" name="Titre 1"/>
+          <p:cNvSpPr>
+            <a:spLocks noGrp="1"/>
+          </p:cNvSpPr>
+          <p:nvPr>
+            <p:ph type="title"/>
+          </p:nvPr>
+        </p:nvSpPr>
+        <p:spPr>
+          <a:xfrm>
+            <a:off x="942733" y="31745"/>
+            <a:ext cx="10058400" cy="1209326"/>
+          </a:xfrm>
+        </p:spPr>
+        <p:txBody>
+          <a:bodyPr>
+            <a:normAutofit/>
+          </a:bodyPr>
+          <a:lstStyle/>
+          <a:p>
+            <a:r>
+              <a:rPr lang="fr-FR" sz="3200" b="1" cap="small" dirty="0"/>
+              <a:t>- </a:t>
+            </a:r>
+            <a:r>
+              <a:rPr lang="fr-FR" sz="3200" b="1" cap="small" dirty="0" err="1"/>
+              <a:t>TestCommandesCalculatrice</a:t>
+            </a:r>
+            <a:r>
+              <a:rPr lang="fr-FR" sz="3200" b="1" cap="small" dirty="0"/>
+              <a:t/>
+            </a:r>
+            <a:br>
+              <a:rPr lang="fr-FR" sz="3200" b="1" cap="small" dirty="0"/>
+            </a:br>
+            <a:endParaRPr lang="fr-FR" sz="3200" dirty="0"/>
+          </a:p>
+        </p:txBody>
+      </p:sp>
+      <p:sp>
+        <p:nvSpPr>
+          <p:cNvPr id="3" name="Espace réservé du contenu 2"/>
+          <p:cNvSpPr>
+            <a:spLocks noGrp="1"/>
+          </p:cNvSpPr>
+          <p:nvPr>
+            <p:ph idx="1"/>
+          </p:nvPr>
+        </p:nvSpPr>
+        <p:spPr>
+          <a:xfrm>
+            <a:off x="1097280" y="1845734"/>
+            <a:ext cx="10058400" cy="4323246"/>
+          </a:xfrm>
+        </p:spPr>
+        <p:txBody>
+          <a:bodyPr/>
+          <a:lstStyle/>
+          <a:p>
+            <a:endParaRPr lang="fr-FR" dirty="0"/>
+          </a:p>
+        </p:txBody>
+      </p:sp>
+      <p:pic>
+        <p:nvPicPr>
+          <p:cNvPr id="4" name="Picture 1"/>
+          <p:cNvPicPr/>
+          <p:nvPr/>
+        </p:nvPicPr>
+        <p:blipFill>
+          <a:blip r:embed="rId2" cstate="print"/>
+          <a:srcRect/>
+          <a:stretch>
+            <a:fillRect/>
+          </a:stretch>
+        </p:blipFill>
+        <p:spPr bwMode="auto">
+          <a:xfrm>
+            <a:off x="669701" y="953037"/>
+            <a:ext cx="10612191" cy="5324318"/>
+          </a:xfrm>
+          <a:prstGeom prst="rect">
+            <a:avLst/>
+          </a:prstGeom>
+          <a:noFill/>
+          <a:ln w="9525">
+            <a:noFill/>
+            <a:miter lim="800000"/>
+            <a:headEnd/>
+            <a:tailEnd/>
+          </a:ln>
+        </p:spPr>
+      </p:pic>
+    </p:spTree>
+    <p:extLst>
+      <p:ext uri="{BB962C8B-B14F-4D97-AF65-F5344CB8AC3E}">
+        <p14:creationId xmlns:p14="http://schemas.microsoft.com/office/powerpoint/2010/main" val="3991831653"/>
+      </p:ext>
+    </p:extLst>
+  </p:cSld>
+  <p:clrMapOvr>
+    <a:masterClrMapping/>
+  </p:clrMapOvr>
+  <mc:AlternateContent xmlns:mc="http://schemas.openxmlformats.org/markup-compatibility/2006">
+    <mc:Choice xmlns:p14="http://schemas.microsoft.com/office/powerpoint/2010/main" Requires="p14">
+      <p:transition spd="slow" p14:dur="3000">
+        <p14:reveal/>
+      </p:transition>
+    </mc:Choice>
+    <mc:Fallback>
+      <p:transition spd="slow">
+        <p:fade/>
+      </p:transition>
+    </mc:Fallback>
+  </mc:AlternateContent>
+  <p:timing>
+    <p:tnLst>
+      <p:par>
+        <p:cTn id="1" dur="indefinite" restart="never" nodeType="tmRoot"/>
+      </p:par>
+    </p:tnLst>
+  </p:timing>
+</p:sld>
+</file>
+
+<file path=ppt/slides/slide22.xml><?xml version="1.0" encoding="utf-8"?>
+<p:sld xmlns:a="http://schemas.openxmlformats.org/drawingml/2006/main" xmlns:r="http://schemas.openxmlformats.org/officeDocument/2006/relationships" xmlns:p="http://schemas.openxmlformats.org/presentationml/2006/main">
+  <p:cSld>
+    <p:spTree>
+      <p:nvGrpSpPr>
+        <p:cNvPr id="1" name=""/>
+        <p:cNvGrpSpPr/>
+        <p:nvPr/>
+      </p:nvGrpSpPr>
+      <p:grpSpPr>
+        <a:xfrm>
+          <a:off x="0" y="0"/>
+          <a:ext cx="0" cy="0"/>
+          <a:chOff x="0" y="0"/>
+          <a:chExt cx="0" cy="0"/>
+        </a:xfrm>
+      </p:grpSpPr>
+      <p:pic>
+        <p:nvPicPr>
+          <p:cNvPr id="4" name="Picture 5"/>
+          <p:cNvPicPr>
+            <a:picLocks noGrp="1"/>
+          </p:cNvPicPr>
+          <p:nvPr>
+            <p:ph idx="1"/>
+          </p:nvPr>
+        </p:nvPicPr>
+        <p:blipFill>
+          <a:blip r:embed="rId2" cstate="print"/>
+          <a:srcRect/>
+          <a:stretch>
+            <a:fillRect/>
+          </a:stretch>
+        </p:blipFill>
+        <p:spPr bwMode="auto">
+          <a:xfrm>
+            <a:off x="631065" y="286604"/>
+            <a:ext cx="10599311" cy="5985408"/>
+          </a:xfrm>
+          <a:prstGeom prst="rect">
+            <a:avLst/>
+          </a:prstGeom>
+          <a:noFill/>
+          <a:ln w="9525">
+            <a:noFill/>
+            <a:miter lim="800000"/>
+            <a:headEnd/>
+            <a:tailEnd/>
+          </a:ln>
+        </p:spPr>
+      </p:pic>
+    </p:spTree>
+    <p:extLst>
+      <p:ext uri="{BB962C8B-B14F-4D97-AF65-F5344CB8AC3E}">
+        <p14:creationId xmlns:p14="http://schemas.microsoft.com/office/powerpoint/2010/main" val="2365223657"/>
+      </p:ext>
+    </p:extLst>
+  </p:cSld>
+  <p:clrMapOvr>
+    <a:masterClrMapping/>
+  </p:clrMapOvr>
+  <mc:AlternateContent xmlns:mc="http://schemas.openxmlformats.org/markup-compatibility/2006">
+    <mc:Choice xmlns:p14="http://schemas.microsoft.com/office/powerpoint/2010/main" Requires="p14">
+      <p:transition spd="slow" p14:dur="3000">
+        <p14:reveal/>
+      </p:transition>
+    </mc:Choice>
+    <mc:Fallback>
+      <p:transition spd="slow">
+        <p:fade/>
+      </p:transition>
+    </mc:Fallback>
+  </mc:AlternateContent>
+  <p:timing>
+    <p:tnLst>
+      <p:par>
+        <p:cTn id="1" dur="indefinite" restart="never" nodeType="tmRoot"/>
+      </p:par>
+    </p:tnLst>
+  </p:timing>
+</p:sld>
+</file>
+
+<file path=ppt/slides/slide23.xml><?xml version="1.0" encoding="utf-8"?>
+<p:sld xmlns:a="http://schemas.openxmlformats.org/drawingml/2006/main" xmlns:r="http://schemas.openxmlformats.org/officeDocument/2006/relationships" xmlns:p="http://schemas.openxmlformats.org/presentationml/2006/main">
+  <p:cSld>
+    <p:spTree>
+      <p:nvGrpSpPr>
+        <p:cNvPr id="1" name=""/>
+        <p:cNvGrpSpPr/>
+        <p:nvPr/>
+      </p:nvGrpSpPr>
+      <p:grpSpPr>
+        <a:xfrm>
+          <a:off x="0" y="0"/>
+          <a:ext cx="0" cy="0"/>
+          <a:chOff x="0" y="0"/>
+          <a:chExt cx="0" cy="0"/>
+        </a:xfrm>
+      </p:grpSpPr>
+      <p:pic>
+        <p:nvPicPr>
+          <p:cNvPr id="4" name="Picture 6"/>
+          <p:cNvPicPr>
+            <a:picLocks noGrp="1"/>
+          </p:cNvPicPr>
+          <p:nvPr>
+            <p:ph idx="1"/>
+          </p:nvPr>
+        </p:nvPicPr>
+        <p:blipFill>
+          <a:blip r:embed="rId2" cstate="print"/>
+          <a:srcRect/>
+          <a:stretch>
+            <a:fillRect/>
+          </a:stretch>
+        </p:blipFill>
+        <p:spPr bwMode="auto">
+          <a:xfrm>
+            <a:off x="605308" y="206062"/>
+            <a:ext cx="11178861" cy="6091707"/>
+          </a:xfrm>
+          <a:prstGeom prst="rect">
+            <a:avLst/>
+          </a:prstGeom>
+          <a:noFill/>
+          <a:ln w="9525">
+            <a:noFill/>
+            <a:miter lim="800000"/>
+            <a:headEnd/>
+            <a:tailEnd/>
+          </a:ln>
+        </p:spPr>
+      </p:pic>
+    </p:spTree>
+    <p:extLst>
+      <p:ext uri="{BB962C8B-B14F-4D97-AF65-F5344CB8AC3E}">
+        <p14:creationId xmlns:p14="http://schemas.microsoft.com/office/powerpoint/2010/main" val="177000561"/>
+      </p:ext>
+    </p:extLst>
+  </p:cSld>
+  <p:clrMapOvr>
+    <a:masterClrMapping/>
+  </p:clrMapOvr>
+  <mc:AlternateContent xmlns:mc="http://schemas.openxmlformats.org/markup-compatibility/2006">
+    <mc:Choice xmlns:p14="http://schemas.microsoft.com/office/powerpoint/2010/main" Requires="p14">
+      <p:transition spd="slow" p14:dur="3000">
+        <p14:reveal/>
+      </p:transition>
+    </mc:Choice>
+    <mc:Fallback>
+      <p:transition spd="slow">
+        <p:fade/>
+      </p:transition>
+    </mc:Fallback>
+  </mc:AlternateContent>
+  <p:timing>
+    <p:tnLst>
+      <p:par>
+        <p:cTn id="1" dur="indefinite" restart="never" nodeType="tmRoot"/>
+      </p:par>
+    </p:tnLst>
+  </p:timing>
+</p:sld>
+</file>
+
+<file path=ppt/slides/slide24.xml><?xml version="1.0" encoding="utf-8"?>
+<p:sld xmlns:a="http://schemas.openxmlformats.org/drawingml/2006/main" xmlns:r="http://schemas.openxmlformats.org/officeDocument/2006/relationships" xmlns:p="http://schemas.openxmlformats.org/presentationml/2006/main">
+  <p:cSld>
+    <p:spTree>
+      <p:nvGrpSpPr>
+        <p:cNvPr id="1" name=""/>
+        <p:cNvGrpSpPr/>
+        <p:nvPr/>
+      </p:nvGrpSpPr>
+      <p:grpSpPr>
+        <a:xfrm>
+          <a:off x="0" y="0"/>
+          <a:ext cx="0" cy="0"/>
+          <a:chOff x="0" y="0"/>
+          <a:chExt cx="0" cy="0"/>
+        </a:xfrm>
+      </p:grpSpPr>
+      <p:pic>
+        <p:nvPicPr>
+          <p:cNvPr id="5" name="Picture 7"/>
+          <p:cNvPicPr>
+            <a:picLocks noGrp="1"/>
+          </p:cNvPicPr>
+          <p:nvPr>
+            <p:ph idx="1"/>
+          </p:nvPr>
+        </p:nvPicPr>
+        <p:blipFill>
+          <a:blip r:embed="rId2" cstate="print"/>
+          <a:srcRect/>
+          <a:stretch>
+            <a:fillRect/>
+          </a:stretch>
+        </p:blipFill>
+        <p:spPr bwMode="auto">
+          <a:xfrm>
+            <a:off x="695460" y="553792"/>
+            <a:ext cx="10578020" cy="5666703"/>
+          </a:xfrm>
+          <a:prstGeom prst="rect">
+            <a:avLst/>
+          </a:prstGeom>
+          <a:noFill/>
+          <a:ln w="9525">
+            <a:noFill/>
+            <a:miter lim="800000"/>
+            <a:headEnd/>
+            <a:tailEnd/>
+          </a:ln>
+        </p:spPr>
+      </p:pic>
+    </p:spTree>
+    <p:extLst>
+      <p:ext uri="{BB962C8B-B14F-4D97-AF65-F5344CB8AC3E}">
+        <p14:creationId xmlns:p14="http://schemas.microsoft.com/office/powerpoint/2010/main" val="1572752384"/>
+      </p:ext>
+    </p:extLst>
+  </p:cSld>
+  <p:clrMapOvr>
+    <a:masterClrMapping/>
+  </p:clrMapOvr>
+  <mc:AlternateContent xmlns:mc="http://schemas.openxmlformats.org/markup-compatibility/2006">
+    <mc:Choice xmlns:p14="http://schemas.microsoft.com/office/powerpoint/2010/main" Requires="p14">
+      <p:transition spd="slow" p14:dur="3000">
+        <p14:reveal/>
+      </p:transition>
+    </mc:Choice>
+    <mc:Fallback>
+      <p:transition spd="slow">
+        <p:fade/>
+      </p:transition>
+    </mc:Fallback>
+  </mc:AlternateContent>
+  <p:timing>
+    <p:tnLst>
+      <p:par>
+        <p:cTn id="1" dur="indefinite" restart="never" nodeType="tmRoot"/>
+      </p:par>
+    </p:tnLst>
+  </p:timing>
+</p:sld>
+</file>
+
+<file path=ppt/slides/slide25.xml><?xml version="1.0" encoding="utf-8"?>
+<p:sld xmlns:a="http://schemas.openxmlformats.org/drawingml/2006/main" xmlns:r="http://schemas.openxmlformats.org/officeDocument/2006/relationships" xmlns:p="http://schemas.openxmlformats.org/presentationml/2006/main">
+  <p:cSld>
+    <p:spTree>
+      <p:nvGrpSpPr>
+        <p:cNvPr id="1" name=""/>
+        <p:cNvGrpSpPr/>
+        <p:nvPr/>
+      </p:nvGrpSpPr>
+      <p:grpSpPr>
+        <a:xfrm>
+          <a:off x="0" y="0"/>
+          <a:ext cx="0" cy="0"/>
+          <a:chOff x="0" y="0"/>
+          <a:chExt cx="0" cy="0"/>
+        </a:xfrm>
+      </p:grpSpPr>
+      <p:pic>
+        <p:nvPicPr>
+          <p:cNvPr id="4" name="Picture 8"/>
+          <p:cNvPicPr>
+            <a:picLocks noGrp="1"/>
+          </p:cNvPicPr>
+          <p:nvPr>
+            <p:ph idx="1"/>
+          </p:nvPr>
+        </p:nvPicPr>
+        <p:blipFill>
+          <a:blip r:embed="rId2" cstate="print"/>
+          <a:srcRect/>
+          <a:stretch>
+            <a:fillRect/>
+          </a:stretch>
+        </p:blipFill>
+        <p:spPr bwMode="auto">
+          <a:xfrm>
+            <a:off x="641651" y="294926"/>
+            <a:ext cx="10588726" cy="5809660"/>
+          </a:xfrm>
+          <a:prstGeom prst="rect">
+            <a:avLst/>
+          </a:prstGeom>
+          <a:noFill/>
+          <a:ln w="9525">
+            <a:noFill/>
+            <a:miter lim="800000"/>
+            <a:headEnd/>
+            <a:tailEnd/>
+          </a:ln>
+        </p:spPr>
+      </p:pic>
+    </p:spTree>
+    <p:extLst>
+      <p:ext uri="{BB962C8B-B14F-4D97-AF65-F5344CB8AC3E}">
+        <p14:creationId xmlns:p14="http://schemas.microsoft.com/office/powerpoint/2010/main" val="2033898408"/>
+      </p:ext>
+    </p:extLst>
+  </p:cSld>
+  <p:clrMapOvr>
+    <a:masterClrMapping/>
+  </p:clrMapOvr>
+  <mc:AlternateContent xmlns:mc="http://schemas.openxmlformats.org/markup-compatibility/2006">
+    <mc:Choice xmlns:p14="http://schemas.microsoft.com/office/powerpoint/2010/main" Requires="p14">
+      <p:transition spd="slow" p14:dur="3000">
+        <p14:reveal/>
+      </p:transition>
+    </mc:Choice>
+    <mc:Fallback>
+      <p:transition spd="slow">
+        <p:fade/>
+      </p:transition>
+    </mc:Fallback>
+  </mc:AlternateContent>
+  <p:timing>
+    <p:tnLst>
+      <p:par>
+        <p:cTn id="1" dur="indefinite" restart="never" nodeType="tmRoot"/>
+      </p:par>
+    </p:tnLst>
+  </p:timing>
+</p:sld>
+</file>
+
+<file path=ppt/slides/slide26.xml><?xml version="1.0" encoding="utf-8"?>
+<p:sld xmlns:a="http://schemas.openxmlformats.org/drawingml/2006/main" xmlns:r="http://schemas.openxmlformats.org/officeDocument/2006/relationships" xmlns:p="http://schemas.openxmlformats.org/presentationml/2006/main">
+  <p:cSld>
+    <p:spTree>
+      <p:nvGrpSpPr>
+        <p:cNvPr id="1" name=""/>
+        <p:cNvGrpSpPr/>
+        <p:nvPr/>
+      </p:nvGrpSpPr>
+      <p:grpSpPr>
+        <a:xfrm>
+          <a:off x="0" y="0"/>
+          <a:ext cx="0" cy="0"/>
+          <a:chOff x="0" y="0"/>
+          <a:chExt cx="0" cy="0"/>
+        </a:xfrm>
+      </p:grpSpPr>
+      <p:sp>
+        <p:nvSpPr>
+          <p:cNvPr id="3" name="Espace réservé du contenu 2"/>
+          <p:cNvSpPr>
+            <a:spLocks noGrp="1"/>
+          </p:cNvSpPr>
+          <p:nvPr>
+            <p:ph idx="1"/>
+          </p:nvPr>
+        </p:nvSpPr>
+        <p:spPr/>
+        <p:txBody>
+          <a:bodyPr/>
+          <a:lstStyle/>
+          <a:p>
+            <a:endParaRPr lang="fr-FR"/>
+          </a:p>
+        </p:txBody>
+      </p:sp>
+      <p:pic>
+        <p:nvPicPr>
+          <p:cNvPr id="4" name="Picture 9"/>
+          <p:cNvPicPr/>
+          <p:nvPr/>
+        </p:nvPicPr>
+        <p:blipFill>
+          <a:blip r:embed="rId2" cstate="print"/>
+          <a:srcRect/>
+          <a:stretch>
+            <a:fillRect/>
+          </a:stretch>
+        </p:blipFill>
+        <p:spPr bwMode="auto">
+          <a:xfrm>
+            <a:off x="592429" y="464314"/>
+            <a:ext cx="10792496" cy="5678909"/>
+          </a:xfrm>
+          <a:prstGeom prst="rect">
+            <a:avLst/>
+          </a:prstGeom>
+          <a:noFill/>
+          <a:ln w="9525">
+            <a:noFill/>
+            <a:miter lim="800000"/>
+            <a:headEnd/>
+            <a:tailEnd/>
+          </a:ln>
+        </p:spPr>
+      </p:pic>
+    </p:spTree>
+    <p:extLst>
+      <p:ext uri="{BB962C8B-B14F-4D97-AF65-F5344CB8AC3E}">
+        <p14:creationId xmlns:p14="http://schemas.microsoft.com/office/powerpoint/2010/main" val="3911782098"/>
+      </p:ext>
+    </p:extLst>
+  </p:cSld>
+  <p:clrMapOvr>
+    <a:masterClrMapping/>
+  </p:clrMapOvr>
+  <mc:AlternateContent xmlns:mc="http://schemas.openxmlformats.org/markup-compatibility/2006">
+    <mc:Choice xmlns:p14="http://schemas.microsoft.com/office/powerpoint/2010/main" Requires="p14">
+      <p:transition spd="slow" p14:dur="3000">
+        <p14:reveal/>
+      </p:transition>
+    </mc:Choice>
+    <mc:Fallback>
+      <p:transition spd="slow">
+        <p:fade/>
+      </p:transition>
+    </mc:Fallback>
+  </mc:AlternateContent>
+  <p:timing>
+    <p:tnLst>
+      <p:par>
+        <p:cTn id="1" dur="indefinite" restart="never" nodeType="tmRoot"/>
+      </p:par>
+    </p:tnLst>
+  </p:timing>
+</p:sld>
+</file>
+
+<file path=ppt/slides/slide27.xml><?xml version="1.0" encoding="utf-8"?>
+<p:sld xmlns:a="http://schemas.openxmlformats.org/drawingml/2006/main" xmlns:r="http://schemas.openxmlformats.org/officeDocument/2006/relationships" xmlns:p="http://schemas.openxmlformats.org/presentationml/2006/main">
+  <p:cSld>
+    <p:spTree>
+      <p:nvGrpSpPr>
+        <p:cNvPr id="1" name=""/>
+        <p:cNvGrpSpPr/>
+        <p:nvPr/>
+      </p:nvGrpSpPr>
+      <p:grpSpPr>
+        <a:xfrm>
+          <a:off x="0" y="0"/>
+          <a:ext cx="0" cy="0"/>
+          <a:chOff x="0" y="0"/>
+          <a:chExt cx="0" cy="0"/>
+        </a:xfrm>
+      </p:grpSpPr>
+      <p:sp>
+        <p:nvSpPr>
+          <p:cNvPr id="2" name="Titre 1"/>
+          <p:cNvSpPr>
+            <a:spLocks noGrp="1"/>
+          </p:cNvSpPr>
+          <p:nvPr>
+            <p:ph type="title"/>
+          </p:nvPr>
+        </p:nvSpPr>
+        <p:spPr/>
+        <p:txBody>
+          <a:bodyPr/>
+          <a:lstStyle/>
+          <a:p>
+            <a:r>
+              <a:rPr lang="fr-FR" sz="3200" b="1" cap="small" dirty="0"/>
+              <a:t>- </a:t>
+            </a:r>
+            <a:r>
+              <a:rPr lang="fr-FR" sz="3200" b="1" cap="small" dirty="0" err="1"/>
+              <a:t>TestVariable</a:t>
+            </a:r>
+            <a:r>
+              <a:rPr lang="fr-FR" sz="3200" b="1" cap="small" dirty="0"/>
+              <a:t> :</a:t>
+            </a:r>
+            <a:r>
+              <a:rPr lang="fr-FR" b="1" cap="small" dirty="0"/>
+              <a:t/>
+            </a:r>
+            <a:br>
+              <a:rPr lang="fr-FR" b="1" cap="small" dirty="0"/>
+            </a:br>
+            <a:endParaRPr lang="fr-FR" dirty="0"/>
+          </a:p>
+        </p:txBody>
+      </p:sp>
+      <p:pic>
+        <p:nvPicPr>
+          <p:cNvPr id="4" name="Picture 11"/>
+          <p:cNvPicPr>
+            <a:picLocks noGrp="1"/>
+          </p:cNvPicPr>
+          <p:nvPr>
+            <p:ph idx="1"/>
+          </p:nvPr>
+        </p:nvPicPr>
+        <p:blipFill>
+          <a:blip r:embed="rId2" cstate="print"/>
+          <a:srcRect/>
+          <a:stretch>
+            <a:fillRect/>
+          </a:stretch>
+        </p:blipFill>
+        <p:spPr bwMode="auto">
+          <a:xfrm>
+            <a:off x="908389" y="1531298"/>
+            <a:ext cx="10058400" cy="4483136"/>
+          </a:xfrm>
+          <a:prstGeom prst="rect">
+            <a:avLst/>
+          </a:prstGeom>
+          <a:noFill/>
+          <a:ln w="9525">
+            <a:noFill/>
+            <a:miter lim="800000"/>
+            <a:headEnd/>
+            <a:tailEnd/>
+          </a:ln>
+        </p:spPr>
+      </p:pic>
+    </p:spTree>
+    <p:extLst>
+      <p:ext uri="{BB962C8B-B14F-4D97-AF65-F5344CB8AC3E}">
+        <p14:creationId xmlns:p14="http://schemas.microsoft.com/office/powerpoint/2010/main" val="2404473533"/>
+      </p:ext>
+    </p:extLst>
+  </p:cSld>
+  <p:clrMapOvr>
+    <a:masterClrMapping/>
+  </p:clrMapOvr>
+  <mc:AlternateContent xmlns:mc="http://schemas.openxmlformats.org/markup-compatibility/2006">
+    <mc:Choice xmlns:p14="http://schemas.microsoft.com/office/powerpoint/2010/main" Requires="p14">
+      <p:transition spd="slow" p14:dur="3000">
+        <p14:reveal/>
+      </p:transition>
+    </mc:Choice>
+    <mc:Fallback>
+      <p:transition spd="slow">
+        <p:fade/>
+      </p:transition>
+    </mc:Fallback>
+  </mc:AlternateContent>
+  <p:timing>
+    <p:tnLst>
+      <p:par>
+        <p:cTn id="1" dur="indefinite" restart="never" nodeType="tmRoot"/>
+      </p:par>
+    </p:tnLst>
+  </p:timing>
+</p:sld>
+</file>
+
+<file path=ppt/slides/slide28.xml><?xml version="1.0" encoding="utf-8"?>
+<p:sld xmlns:a="http://schemas.openxmlformats.org/drawingml/2006/main" xmlns:r="http://schemas.openxmlformats.org/officeDocument/2006/relationships" xmlns:p="http://schemas.openxmlformats.org/presentationml/2006/main">
+  <p:cSld>
+    <p:spTree>
+      <p:nvGrpSpPr>
+        <p:cNvPr id="1" name=""/>
+        <p:cNvGrpSpPr/>
+        <p:nvPr/>
+      </p:nvGrpSpPr>
+      <p:grpSpPr>
+        <a:xfrm>
+          <a:off x="0" y="0"/>
+          <a:ext cx="0" cy="0"/>
+          <a:chOff x="0" y="0"/>
+          <a:chExt cx="0" cy="0"/>
+        </a:xfrm>
+      </p:grpSpPr>
+      <p:sp>
+        <p:nvSpPr>
+          <p:cNvPr id="2" name="Titre 1"/>
+          <p:cNvSpPr>
+            <a:spLocks noGrp="1"/>
+          </p:cNvSpPr>
+          <p:nvPr>
+            <p:ph type="title"/>
+          </p:nvPr>
+        </p:nvSpPr>
+        <p:spPr/>
+        <p:txBody>
+          <a:bodyPr/>
+          <a:lstStyle/>
+          <a:p>
+            <a:r>
+              <a:rPr lang="fr-FR" dirty="0" smtClean="0">
+                <a:solidFill>
+                  <a:srgbClr val="BD582C">
+                    <a:lumMod val="75000"/>
+                  </a:srgbClr>
+                </a:solidFill>
+              </a:rPr>
+              <a:t>E. Tests</a:t>
+            </a:r>
+            <a:endParaRPr lang="fr-FR" dirty="0"/>
+          </a:p>
+        </p:txBody>
+      </p:sp>
+      <p:sp>
+        <p:nvSpPr>
+          <p:cNvPr id="3" name="Espace réservé du contenu 2"/>
+          <p:cNvSpPr>
+            <a:spLocks noGrp="1"/>
+          </p:cNvSpPr>
+          <p:nvPr>
+            <p:ph idx="1"/>
+          </p:nvPr>
+        </p:nvSpPr>
+        <p:spPr/>
+        <p:txBody>
+          <a:bodyPr/>
+          <a:lstStyle/>
+          <a:p>
+            <a:pPr marL="566928" lvl="3" indent="0">
+              <a:buNone/>
+            </a:pPr>
+            <a:r>
+              <a:rPr lang="fr-FR" sz="3200" dirty="0" smtClean="0">
+                <a:solidFill>
+                  <a:srgbClr val="FFC000"/>
+                </a:solidFill>
+              </a:rPr>
+              <a:t>3) Scénarios de test</a:t>
+            </a:r>
+          </a:p>
+          <a:p>
+            <a:pPr marL="566928" lvl="3" indent="0">
+              <a:buNone/>
+            </a:pPr>
+            <a:endParaRPr lang="fr-FR" sz="3200" dirty="0">
+              <a:solidFill>
+                <a:srgbClr val="FFC000"/>
+              </a:solidFill>
+            </a:endParaRPr>
+          </a:p>
+          <a:p>
+            <a:pPr marL="566928" lvl="3" indent="0">
+              <a:buNone/>
+            </a:pPr>
+            <a:r>
+              <a:rPr lang="fr-FR" sz="2400" b="1" dirty="0" smtClean="0">
+                <a:solidFill>
+                  <a:schemeClr val="tx1"/>
+                </a:solidFill>
+              </a:rPr>
+              <a:t>Partie Calculatrice :</a:t>
+            </a:r>
+          </a:p>
+          <a:p>
+            <a:pPr marL="566928" lvl="3" indent="0">
+              <a:buNone/>
+            </a:pPr>
+            <a:endParaRPr lang="fr-FR" sz="2400" b="1" dirty="0">
+              <a:solidFill>
+                <a:schemeClr val="tx1"/>
+              </a:solidFill>
+            </a:endParaRPr>
+          </a:p>
+          <a:p>
+            <a:pPr marL="566928" lvl="3" indent="0">
+              <a:buNone/>
+            </a:pPr>
+            <a:endParaRPr lang="fr-FR" sz="2400" b="1" dirty="0" smtClean="0">
+              <a:solidFill>
+                <a:schemeClr val="tx1"/>
+              </a:solidFill>
+            </a:endParaRPr>
+          </a:p>
+          <a:p>
+            <a:pPr marL="566928" lvl="3" indent="0">
+              <a:buNone/>
+            </a:pPr>
+            <a:endParaRPr lang="fr-FR" sz="2400" b="1" dirty="0">
+              <a:solidFill>
+                <a:schemeClr val="tx1"/>
+              </a:solidFill>
+            </a:endParaRPr>
+          </a:p>
+          <a:p>
+            <a:pPr marL="566928" lvl="3" indent="0">
+              <a:buNone/>
+            </a:pPr>
+            <a:r>
+              <a:rPr lang="fr-FR" sz="2400" b="1" dirty="0" smtClean="0">
+                <a:solidFill>
+                  <a:schemeClr val="tx1"/>
+                </a:solidFill>
+              </a:rPr>
+              <a:t>Partie Tableur :</a:t>
+            </a:r>
+            <a:endParaRPr lang="fr-FR" sz="2400" b="1" dirty="0">
+              <a:solidFill>
+                <a:schemeClr val="tx1"/>
+              </a:solidFill>
+            </a:endParaRPr>
+          </a:p>
+          <a:p>
+            <a:endParaRPr lang="fr-FR" dirty="0"/>
+          </a:p>
+        </p:txBody>
+      </p:sp>
+    </p:spTree>
+    <p:extLst>
+      <p:ext uri="{BB962C8B-B14F-4D97-AF65-F5344CB8AC3E}">
+        <p14:creationId xmlns:p14="http://schemas.microsoft.com/office/powerpoint/2010/main" val="3928213839"/>
+      </p:ext>
+    </p:extLst>
+  </p:cSld>
+  <p:clrMapOvr>
+    <a:masterClrMapping/>
+  </p:clrMapOvr>
+  <mc:AlternateContent xmlns:mc="http://schemas.openxmlformats.org/markup-compatibility/2006">
+    <mc:Choice xmlns:p14="http://schemas.microsoft.com/office/powerpoint/2010/main" Requires="p14">
+      <p:transition spd="slow" p14:dur="3000">
+        <p14:reveal/>
+      </p:transition>
+    </mc:Choice>
+    <mc:Fallback>
+      <p:transition spd="slow">
+        <p:fade/>
+      </p:transition>
+    </mc:Fallback>
+  </mc:AlternateContent>
+  <p:timing>
+    <p:tnLst>
+      <p:par>
+        <p:cTn id="1" dur="indefinite" restart="never" nodeType="tmRoot"/>
+      </p:par>
+    </p:tnLst>
+  </p:timing>
+</p:sld>
+</file>
+
+<file path=ppt/slides/slide29.xml><?xml version="1.0" encoding="utf-8"?>
+<p:sld xmlns:a="http://schemas.openxmlformats.org/drawingml/2006/main" xmlns:r="http://schemas.openxmlformats.org/officeDocument/2006/relationships" xmlns:p="http://schemas.openxmlformats.org/presentationml/2006/main">
+  <p:cSld>
+    <p:spTree>
+      <p:nvGrpSpPr>
+        <p:cNvPr id="1" name=""/>
+        <p:cNvGrpSpPr/>
+        <p:nvPr/>
+      </p:nvGrpSpPr>
+      <p:grpSpPr>
+        <a:xfrm>
+          <a:off x="0" y="0"/>
+          <a:ext cx="0" cy="0"/>
+          <a:chOff x="0" y="0"/>
+          <a:chExt cx="0" cy="0"/>
+        </a:xfrm>
+      </p:grpSpPr>
+      <p:sp>
+        <p:nvSpPr>
+          <p:cNvPr id="2" name="Titre 1"/>
+          <p:cNvSpPr>
+            <a:spLocks noGrp="1"/>
+          </p:cNvSpPr>
+          <p:nvPr>
+            <p:ph type="title"/>
+          </p:nvPr>
+        </p:nvSpPr>
+        <p:spPr/>
+        <p:txBody>
+          <a:bodyPr/>
+          <a:lstStyle/>
+          <a:p>
+            <a:r>
+              <a:rPr lang="fr-FR" dirty="0" smtClean="0">
+                <a:solidFill>
+                  <a:srgbClr val="BD582C">
+                    <a:lumMod val="75000"/>
+                  </a:srgbClr>
+                </a:solidFill>
+              </a:rPr>
+              <a:t>F. Bilan</a:t>
+            </a:r>
+            <a:endParaRPr lang="fr-FR" dirty="0"/>
+          </a:p>
+        </p:txBody>
+      </p:sp>
+      <p:sp>
+        <p:nvSpPr>
+          <p:cNvPr id="3" name="Espace réservé du contenu 2"/>
+          <p:cNvSpPr>
+            <a:spLocks noGrp="1"/>
+          </p:cNvSpPr>
+          <p:nvPr>
+            <p:ph idx="1"/>
+          </p:nvPr>
+        </p:nvSpPr>
+        <p:spPr/>
+        <p:txBody>
+          <a:bodyPr/>
+          <a:lstStyle/>
+          <a:p>
+            <a:pPr marL="91440" lvl="3" indent="-91440">
+              <a:spcBef>
+                <a:spcPts val="1200"/>
+              </a:spcBef>
+              <a:spcAft>
+                <a:spcPts val="200"/>
+              </a:spcAft>
+              <a:buSzPct val="100000"/>
+              <a:buFont typeface="Calibri" panose="020F0502020204030204" pitchFamily="34" charset="0"/>
+              <a:buChar char=" "/>
+            </a:pPr>
+            <a:endParaRPr lang="fr-FR" sz="3200" dirty="0">
+              <a:solidFill>
+                <a:srgbClr val="FFC000"/>
+              </a:solidFill>
+            </a:endParaRPr>
+          </a:p>
+          <a:p>
+            <a:pPr marL="91440" lvl="3" indent="-91440">
+              <a:spcBef>
+                <a:spcPts val="1200"/>
+              </a:spcBef>
+              <a:spcAft>
+                <a:spcPts val="200"/>
+              </a:spcAft>
+              <a:buSzPct val="100000"/>
+              <a:buFont typeface="Calibri" panose="020F0502020204030204" pitchFamily="34" charset="0"/>
+              <a:buChar char=" "/>
+            </a:pPr>
+            <a:r>
+              <a:rPr lang="fr-FR" sz="3200" dirty="0" smtClean="0">
+                <a:solidFill>
+                  <a:srgbClr val="FFC000"/>
+                </a:solidFill>
+              </a:rPr>
+              <a:t>Satisfaction des besoins</a:t>
+            </a:r>
+          </a:p>
+          <a:p>
+            <a:pPr marL="91440" lvl="3" indent="-91440">
+              <a:spcBef>
+                <a:spcPts val="1200"/>
+              </a:spcBef>
+              <a:spcAft>
+                <a:spcPts val="200"/>
+              </a:spcAft>
+              <a:buSzPct val="100000"/>
+              <a:buFont typeface="Calibri" panose="020F0502020204030204" pitchFamily="34" charset="0"/>
+              <a:buChar char=" "/>
+            </a:pPr>
+            <a:endParaRPr lang="fr-FR" sz="3200" dirty="0">
+              <a:solidFill>
+                <a:srgbClr val="FFC000"/>
+              </a:solidFill>
+            </a:endParaRPr>
+          </a:p>
+          <a:p>
+            <a:pPr marL="91440" lvl="3" indent="-91440">
+              <a:spcBef>
+                <a:spcPts val="1200"/>
+              </a:spcBef>
+              <a:spcAft>
+                <a:spcPts val="200"/>
+              </a:spcAft>
+              <a:buSzPct val="100000"/>
+              <a:buFont typeface="Calibri" panose="020F0502020204030204" pitchFamily="34" charset="0"/>
+              <a:buChar char=" "/>
+            </a:pPr>
+            <a:r>
+              <a:rPr lang="fr-FR" sz="3200" dirty="0" smtClean="0">
+                <a:solidFill>
+                  <a:srgbClr val="FFC000"/>
+                </a:solidFill>
+              </a:rPr>
+              <a:t>Bilan de la gestion de projet </a:t>
+            </a:r>
+            <a:endParaRPr lang="fr-FR" sz="3200" dirty="0">
+              <a:solidFill>
+                <a:srgbClr val="FFC000"/>
+              </a:solidFill>
+            </a:endParaRPr>
+          </a:p>
+          <a:p>
+            <a:endParaRPr lang="fr-FR" dirty="0"/>
+          </a:p>
+        </p:txBody>
+      </p:sp>
+    </p:spTree>
+    <p:extLst>
+      <p:ext uri="{BB962C8B-B14F-4D97-AF65-F5344CB8AC3E}">
+        <p14:creationId xmlns:p14="http://schemas.microsoft.com/office/powerpoint/2010/main" val="1235043849"/>
+      </p:ext>
+    </p:extLst>
+  </p:cSld>
+  <p:clrMapOvr>
+    <a:masterClrMapping/>
+  </p:clrMapOvr>
+  <mc:AlternateContent xmlns:mc="http://schemas.openxmlformats.org/markup-compatibility/2006">
+    <mc:Choice xmlns:p14="http://schemas.microsoft.com/office/powerpoint/2010/main" Requires="p14">
+      <p:transition spd="slow" p14:dur="3000">
+        <p14:reveal/>
+      </p:transition>
+    </mc:Choice>
+    <mc:Fallback>
       <p:transition spd="slow">
         <p:fade/>
       </p:transition>

--- a/ProjetS2/PresentationProjetS2.pptx
+++ b/ProjetS2/PresentationProjetS2.pptx
@@ -1,6 +1,6 @@
 
 <file path=ppt/presentation.xml><?xml version="1.0" encoding="utf-8"?>
-<p:presentation xmlns:a="http://schemas.openxmlformats.org/drawingml/2006/main" xmlns:r="http://schemas.openxmlformats.org/officeDocument/2006/relationships" xmlns:p="http://schemas.openxmlformats.org/presentationml/2006/main" saveSubsetFonts="1">
+<p:presentation xmlns:a="http://schemas.openxmlformats.org/drawingml/2006/main" xmlns:r="http://schemas.openxmlformats.org/officeDocument/2006/relationships" xmlns:p="http://schemas.openxmlformats.org/presentationml/2006/main" serverZoom="49592" saveSubsetFonts="1">
   <p:sldMasterIdLst>
     <p:sldMasterId id="2147483678" r:id="rId1"/>
   </p:sldMasterIdLst>
@@ -134,7 +134,7 @@
   </p:defaultTextStyle>
   <p:extLst>
     <p:ext uri="{EFAFB233-063F-42B5-8137-9DF3F51BA10A}">
-      <p15:sldGuideLst xmlns:p15="http://schemas.microsoft.com/office/powerpoint/2012/main">
+      <p15:sldGuideLst xmlns:p15="http://schemas.microsoft.com/office/powerpoint/2012/main" xmlns="">
         <p15:guide id="1" orient="horz" pos="2160" userDrawn="1">
           <p15:clr>
             <a:srgbClr val="A4A3A4"/>
@@ -419,7 +419,7 @@
           <a:p>
             <a:fld id="{B4E1FA03-DE6C-41FB-B508-C0E99749F86B}" type="slidenum">
               <a:rPr lang="fr-FR" smtClean="0"/>
-              <a:t>‹N°›</a:t>
+              <a:t>‹#›</a:t>
             </a:fld>
             <a:endParaRPr lang="fr-FR"/>
           </a:p>
@@ -473,13 +473,13 @@
   <p:clrMapOvr>
     <a:masterClrMapping/>
   </p:clrMapOvr>
-  <mc:AlternateContent xmlns:mc="http://schemas.openxmlformats.org/markup-compatibility/2006" xmlns:p14="http://schemas.microsoft.com/office/powerpoint/2010/main">
-    <mc:Choice Requires="p14">
-      <p:transition spd="slow" p14:dur="3000">
+  <mc:AlternateContent xmlns:mc="http://schemas.openxmlformats.org/markup-compatibility/2006">
+    <mc:Choice xmlns:p14="http://schemas.microsoft.com/office/powerpoint/2010/main" Requires="p14">
+      <p:transition spd="slow" p14:dur="1500">
         <p14:reveal/>
       </p:transition>
     </mc:Choice>
-    <mc:Fallback xmlns="">
+    <mc:Fallback>
       <p:transition spd="slow">
         <p:fade/>
       </p:transition>
@@ -639,7 +639,7 @@
           <a:p>
             <a:fld id="{B4E1FA03-DE6C-41FB-B508-C0E99749F86B}" type="slidenum">
               <a:rPr lang="fr-FR" smtClean="0"/>
-              <a:t>‹N°›</a:t>
+              <a:t>‹#›</a:t>
             </a:fld>
             <a:endParaRPr lang="fr-FR"/>
           </a:p>
@@ -655,13 +655,13 @@
   <p:clrMapOvr>
     <a:masterClrMapping/>
   </p:clrMapOvr>
-  <mc:AlternateContent xmlns:mc="http://schemas.openxmlformats.org/markup-compatibility/2006" xmlns:p14="http://schemas.microsoft.com/office/powerpoint/2010/main">
-    <mc:Choice Requires="p14">
-      <p:transition spd="slow" p14:dur="3000">
+  <mc:AlternateContent xmlns:mc="http://schemas.openxmlformats.org/markup-compatibility/2006">
+    <mc:Choice xmlns:p14="http://schemas.microsoft.com/office/powerpoint/2010/main" Requires="p14">
+      <p:transition spd="slow" p14:dur="1500">
         <p14:reveal/>
       </p:transition>
     </mc:Choice>
-    <mc:Fallback xmlns="">
+    <mc:Fallback>
       <p:transition spd="slow">
         <p:fade/>
       </p:transition>
@@ -907,7 +907,7 @@
           <a:p>
             <a:fld id="{B4E1FA03-DE6C-41FB-B508-C0E99749F86B}" type="slidenum">
               <a:rPr lang="fr-FR" smtClean="0"/>
-              <a:t>‹N°›</a:t>
+              <a:t>‹#›</a:t>
             </a:fld>
             <a:endParaRPr lang="fr-FR"/>
           </a:p>
@@ -923,13 +923,13 @@
   <p:clrMapOvr>
     <a:masterClrMapping/>
   </p:clrMapOvr>
-  <mc:AlternateContent xmlns:mc="http://schemas.openxmlformats.org/markup-compatibility/2006" xmlns:p14="http://schemas.microsoft.com/office/powerpoint/2010/main">
-    <mc:Choice Requires="p14">
-      <p:transition spd="slow" p14:dur="3000">
+  <mc:AlternateContent xmlns:mc="http://schemas.openxmlformats.org/markup-compatibility/2006">
+    <mc:Choice xmlns:p14="http://schemas.microsoft.com/office/powerpoint/2010/main" Requires="p14">
+      <p:transition spd="slow" p14:dur="1500">
         <p14:reveal/>
       </p:transition>
     </mc:Choice>
-    <mc:Fallback xmlns="">
+    <mc:Fallback>
       <p:transition spd="slow">
         <p:fade/>
       </p:transition>
@@ -1093,7 +1093,7 @@
           <a:p>
             <a:fld id="{B4E1FA03-DE6C-41FB-B508-C0E99749F86B}" type="slidenum">
               <a:rPr lang="fr-FR" smtClean="0"/>
-              <a:t>‹N°›</a:t>
+              <a:t>‹#›</a:t>
             </a:fld>
             <a:endParaRPr lang="fr-FR"/>
           </a:p>
@@ -1109,13 +1109,13 @@
   <p:clrMapOvr>
     <a:masterClrMapping/>
   </p:clrMapOvr>
-  <mc:AlternateContent xmlns:mc="http://schemas.openxmlformats.org/markup-compatibility/2006" xmlns:p14="http://schemas.microsoft.com/office/powerpoint/2010/main">
-    <mc:Choice Requires="p14">
-      <p:transition spd="slow" p14:dur="3000">
+  <mc:AlternateContent xmlns:mc="http://schemas.openxmlformats.org/markup-compatibility/2006">
+    <mc:Choice xmlns:p14="http://schemas.microsoft.com/office/powerpoint/2010/main" Requires="p14">
+      <p:transition spd="slow" p14:dur="1500">
         <p14:reveal/>
       </p:transition>
     </mc:Choice>
-    <mc:Fallback xmlns="">
+    <mc:Fallback>
       <p:transition spd="slow">
         <p:fade/>
       </p:transition>
@@ -1448,7 +1448,7 @@
           <a:p>
             <a:fld id="{B4E1FA03-DE6C-41FB-B508-C0E99749F86B}" type="slidenum">
               <a:rPr lang="fr-FR" smtClean="0"/>
-              <a:t>‹N°›</a:t>
+              <a:t>‹#›</a:t>
             </a:fld>
             <a:endParaRPr lang="fr-FR"/>
           </a:p>
@@ -1502,13 +1502,13 @@
   <p:clrMapOvr>
     <a:masterClrMapping/>
   </p:clrMapOvr>
-  <mc:AlternateContent xmlns:mc="http://schemas.openxmlformats.org/markup-compatibility/2006" xmlns:p14="http://schemas.microsoft.com/office/powerpoint/2010/main">
-    <mc:Choice Requires="p14">
-      <p:transition spd="slow" p14:dur="3000">
+  <mc:AlternateContent xmlns:mc="http://schemas.openxmlformats.org/markup-compatibility/2006">
+    <mc:Choice xmlns:p14="http://schemas.microsoft.com/office/powerpoint/2010/main" Requires="p14">
+      <p:transition spd="slow" p14:dur="1500">
         <p14:reveal/>
       </p:transition>
     </mc:Choice>
-    <mc:Fallback xmlns="">
+    <mc:Fallback>
       <p:transition spd="slow">
         <p:fade/>
       </p:transition>
@@ -1735,7 +1735,7 @@
           <a:p>
             <a:fld id="{B4E1FA03-DE6C-41FB-B508-C0E99749F86B}" type="slidenum">
               <a:rPr lang="fr-FR" smtClean="0"/>
-              <a:t>‹N°›</a:t>
+              <a:t>‹#›</a:t>
             </a:fld>
             <a:endParaRPr lang="fr-FR"/>
           </a:p>
@@ -1751,13 +1751,13 @@
   <p:clrMapOvr>
     <a:masterClrMapping/>
   </p:clrMapOvr>
-  <mc:AlternateContent xmlns:mc="http://schemas.openxmlformats.org/markup-compatibility/2006" xmlns:p14="http://schemas.microsoft.com/office/powerpoint/2010/main">
-    <mc:Choice Requires="p14">
-      <p:transition spd="slow" p14:dur="3000">
+  <mc:AlternateContent xmlns:mc="http://schemas.openxmlformats.org/markup-compatibility/2006">
+    <mc:Choice xmlns:p14="http://schemas.microsoft.com/office/powerpoint/2010/main" Requires="p14">
+      <p:transition spd="slow" p14:dur="1500">
         <p14:reveal/>
       </p:transition>
     </mc:Choice>
-    <mc:Fallback xmlns="">
+    <mc:Fallback>
       <p:transition spd="slow">
         <p:fade/>
       </p:transition>
@@ -2126,7 +2126,7 @@
           <a:p>
             <a:fld id="{B4E1FA03-DE6C-41FB-B508-C0E99749F86B}" type="slidenum">
               <a:rPr lang="fr-FR" smtClean="0"/>
-              <a:t>‹N°›</a:t>
+              <a:t>‹#›</a:t>
             </a:fld>
             <a:endParaRPr lang="fr-FR"/>
           </a:p>
@@ -2142,13 +2142,13 @@
   <p:clrMapOvr>
     <a:masterClrMapping/>
   </p:clrMapOvr>
-  <mc:AlternateContent xmlns:mc="http://schemas.openxmlformats.org/markup-compatibility/2006" xmlns:p14="http://schemas.microsoft.com/office/powerpoint/2010/main">
-    <mc:Choice Requires="p14">
-      <p:transition spd="slow" p14:dur="3000">
+  <mc:AlternateContent xmlns:mc="http://schemas.openxmlformats.org/markup-compatibility/2006">
+    <mc:Choice xmlns:p14="http://schemas.microsoft.com/office/powerpoint/2010/main" Requires="p14">
+      <p:transition spd="slow" p14:dur="1500">
         <p14:reveal/>
       </p:transition>
     </mc:Choice>
-    <mc:Fallback xmlns="">
+    <mc:Fallback>
       <p:transition spd="slow">
         <p:fade/>
       </p:transition>
@@ -2256,7 +2256,7 @@
           <a:p>
             <a:fld id="{B4E1FA03-DE6C-41FB-B508-C0E99749F86B}" type="slidenum">
               <a:rPr lang="fr-FR" smtClean="0"/>
-              <a:t>‹N°›</a:t>
+              <a:t>‹#›</a:t>
             </a:fld>
             <a:endParaRPr lang="fr-FR"/>
           </a:p>
@@ -2272,13 +2272,13 @@
   <p:clrMapOvr>
     <a:masterClrMapping/>
   </p:clrMapOvr>
-  <mc:AlternateContent xmlns:mc="http://schemas.openxmlformats.org/markup-compatibility/2006" xmlns:p14="http://schemas.microsoft.com/office/powerpoint/2010/main">
-    <mc:Choice Requires="p14">
-      <p:transition spd="slow" p14:dur="3000">
+  <mc:AlternateContent xmlns:mc="http://schemas.openxmlformats.org/markup-compatibility/2006">
+    <mc:Choice xmlns:p14="http://schemas.microsoft.com/office/powerpoint/2010/main" Requires="p14">
+      <p:transition spd="slow" p14:dur="1500">
         <p14:reveal/>
       </p:transition>
     </mc:Choice>
-    <mc:Fallback xmlns="">
+    <mc:Fallback>
       <p:transition spd="slow">
         <p:fade/>
       </p:transition>
@@ -2447,7 +2447,7 @@
           <a:p>
             <a:fld id="{B4E1FA03-DE6C-41FB-B508-C0E99749F86B}" type="slidenum">
               <a:rPr lang="fr-FR" smtClean="0"/>
-              <a:t>‹N°›</a:t>
+              <a:t>‹#›</a:t>
             </a:fld>
             <a:endParaRPr lang="fr-FR"/>
           </a:p>
@@ -2463,13 +2463,13 @@
   <p:clrMapOvr>
     <a:masterClrMapping/>
   </p:clrMapOvr>
-  <mc:AlternateContent xmlns:mc="http://schemas.openxmlformats.org/markup-compatibility/2006" xmlns:p14="http://schemas.microsoft.com/office/powerpoint/2010/main">
-    <mc:Choice Requires="p14">
-      <p:transition spd="slow" p14:dur="3000">
+  <mc:AlternateContent xmlns:mc="http://schemas.openxmlformats.org/markup-compatibility/2006">
+    <mc:Choice xmlns:p14="http://schemas.microsoft.com/office/powerpoint/2010/main" Requires="p14">
+      <p:transition spd="slow" p14:dur="1500">
         <p14:reveal/>
       </p:transition>
     </mc:Choice>
-    <mc:Fallback xmlns="">
+    <mc:Fallback>
       <p:transition spd="slow">
         <p:fade/>
       </p:transition>
@@ -2826,7 +2826,7 @@
           <a:p>
             <a:fld id="{B4E1FA03-DE6C-41FB-B508-C0E99749F86B}" type="slidenum">
               <a:rPr lang="fr-FR" smtClean="0"/>
-              <a:t>‹N°›</a:t>
+              <a:t>‹#›</a:t>
             </a:fld>
             <a:endParaRPr lang="fr-FR"/>
           </a:p>
@@ -2842,13 +2842,13 @@
   <p:clrMapOvr>
     <a:masterClrMapping/>
   </p:clrMapOvr>
-  <mc:AlternateContent xmlns:mc="http://schemas.openxmlformats.org/markup-compatibility/2006" xmlns:p14="http://schemas.microsoft.com/office/powerpoint/2010/main">
-    <mc:Choice Requires="p14">
-      <p:transition spd="slow" p14:dur="3000">
+  <mc:AlternateContent xmlns:mc="http://schemas.openxmlformats.org/markup-compatibility/2006">
+    <mc:Choice xmlns:p14="http://schemas.microsoft.com/office/powerpoint/2010/main" Requires="p14">
+      <p:transition spd="slow" p14:dur="1500">
         <p14:reveal/>
       </p:transition>
     </mc:Choice>
-    <mc:Fallback xmlns="">
+    <mc:Fallback>
       <p:transition spd="slow">
         <p:fade/>
       </p:transition>
@@ -3199,7 +3199,7 @@
           <a:p>
             <a:fld id="{B4E1FA03-DE6C-41FB-B508-C0E99749F86B}" type="slidenum">
               <a:rPr lang="fr-FR" smtClean="0"/>
-              <a:t>‹N°›</a:t>
+              <a:t>‹#›</a:t>
             </a:fld>
             <a:endParaRPr lang="fr-FR"/>
           </a:p>
@@ -3215,13 +3215,13 @@
   <p:clrMapOvr>
     <a:masterClrMapping/>
   </p:clrMapOvr>
-  <mc:AlternateContent xmlns:mc="http://schemas.openxmlformats.org/markup-compatibility/2006" xmlns:p14="http://schemas.microsoft.com/office/powerpoint/2010/main">
-    <mc:Choice Requires="p14">
-      <p:transition spd="slow" p14:dur="3000">
+  <mc:AlternateContent xmlns:mc="http://schemas.openxmlformats.org/markup-compatibility/2006">
+    <mc:Choice xmlns:p14="http://schemas.microsoft.com/office/powerpoint/2010/main" Requires="p14">
+      <p:transition spd="slow" p14:dur="1500">
         <p14:reveal/>
       </p:transition>
     </mc:Choice>
-    <mc:Fallback xmlns="">
+    <mc:Fallback>
       <p:transition spd="slow">
         <p:fade/>
       </p:transition>
@@ -3530,7 +3530,7 @@
           <a:p>
             <a:fld id="{B4E1FA03-DE6C-41FB-B508-C0E99749F86B}" type="slidenum">
               <a:rPr lang="fr-FR" smtClean="0"/>
-              <a:t>‹N°›</a:t>
+              <a:t>‹#›</a:t>
             </a:fld>
             <a:endParaRPr lang="fr-FR"/>
           </a:p>
@@ -3595,13 +3595,13 @@
     <p:sldLayoutId id="2147483688" r:id="rId10"/>
     <p:sldLayoutId id="2147483689" r:id="rId11"/>
   </p:sldLayoutIdLst>
-  <mc:AlternateContent xmlns:mc="http://schemas.openxmlformats.org/markup-compatibility/2006" xmlns:p14="http://schemas.microsoft.com/office/powerpoint/2010/main">
-    <mc:Choice Requires="p14">
-      <p:transition spd="slow" p14:dur="3000">
+  <mc:AlternateContent xmlns:mc="http://schemas.openxmlformats.org/markup-compatibility/2006">
+    <mc:Choice xmlns:p14="http://schemas.microsoft.com/office/powerpoint/2010/main" Requires="p14">
+      <p:transition spd="slow" p14:dur="1500">
         <p14:reveal/>
       </p:transition>
     </mc:Choice>
-    <mc:Fallback xmlns="">
+    <mc:Fallback>
       <p:transition spd="slow">
         <p:fade/>
       </p:transition>
@@ -4168,13 +4168,13 @@
   <p:clrMapOvr>
     <a:masterClrMapping/>
   </p:clrMapOvr>
-  <mc:AlternateContent xmlns:mc="http://schemas.openxmlformats.org/markup-compatibility/2006" xmlns:p14="http://schemas.microsoft.com/office/powerpoint/2010/main">
-    <mc:Choice Requires="p14">
-      <p:transition spd="slow" p14:dur="3000">
+  <mc:AlternateContent xmlns:mc="http://schemas.openxmlformats.org/markup-compatibility/2006">
+    <mc:Choice xmlns:p14="http://schemas.microsoft.com/office/powerpoint/2010/main" Requires="p14">
+      <p:transition spd="slow" p14:dur="1500">
         <p14:reveal/>
       </p:transition>
     </mc:Choice>
-    <mc:Fallback xmlns="">
+    <mc:Fallback>
       <p:transition spd="slow">
         <p:fade/>
       </p:transition>
@@ -4542,13 +4542,13 @@
   <p:clrMapOvr>
     <a:masterClrMapping/>
   </p:clrMapOvr>
-  <mc:AlternateContent xmlns:mc="http://schemas.openxmlformats.org/markup-compatibility/2006" xmlns:p14="http://schemas.microsoft.com/office/powerpoint/2010/main">
-    <mc:Choice Requires="p14">
-      <p:transition spd="slow" p14:dur="3000">
+  <mc:AlternateContent xmlns:mc="http://schemas.openxmlformats.org/markup-compatibility/2006">
+    <mc:Choice xmlns:p14="http://schemas.microsoft.com/office/powerpoint/2010/main" Requires="p14">
+      <p:transition spd="slow" p14:dur="1500">
         <p14:reveal/>
       </p:transition>
     </mc:Choice>
-    <mc:Fallback xmlns="">
+    <mc:Fallback>
       <p:transition spd="slow">
         <p:fade/>
       </p:transition>
@@ -4912,7 +4912,7 @@
   </p:clrMapOvr>
   <mc:AlternateContent xmlns:mc="http://schemas.openxmlformats.org/markup-compatibility/2006">
     <mc:Choice xmlns:p14="http://schemas.microsoft.com/office/powerpoint/2010/main" Requires="p14">
-      <p:transition spd="slow" p14:dur="3000">
+      <p:transition spd="slow" p14:dur="1500">
         <p14:reveal/>
       </p:transition>
     </mc:Choice>
@@ -5174,7 +5174,7 @@
   </p:clrMapOvr>
   <mc:AlternateContent xmlns:mc="http://schemas.openxmlformats.org/markup-compatibility/2006">
     <mc:Choice xmlns:p14="http://schemas.microsoft.com/office/powerpoint/2010/main" Requires="p14">
-      <p:transition spd="slow" p14:dur="3000">
+      <p:transition spd="slow" p14:dur="1500">
         <p14:reveal/>
       </p:transition>
     </mc:Choice>
@@ -5360,7 +5360,7 @@
   </p:clrMapOvr>
   <mc:AlternateContent xmlns:mc="http://schemas.openxmlformats.org/markup-compatibility/2006">
     <mc:Choice xmlns:p14="http://schemas.microsoft.com/office/powerpoint/2010/main" Requires="p14">
-      <p:transition spd="slow" p14:dur="3000">
+      <p:transition spd="slow" p14:dur="1500">
         <p14:reveal/>
       </p:transition>
     </mc:Choice>
@@ -5767,7 +5767,7 @@
   </p:clrMapOvr>
   <mc:AlternateContent xmlns:mc="http://schemas.openxmlformats.org/markup-compatibility/2006">
     <mc:Choice xmlns:p14="http://schemas.microsoft.com/office/powerpoint/2010/main" Requires="p14">
-      <p:transition spd="slow" p14:dur="3000">
+      <p:transition spd="slow" p14:dur="1500">
         <p14:reveal/>
       </p:transition>
     </mc:Choice>
@@ -6195,7 +6195,7 @@
   </p:clrMapOvr>
   <mc:AlternateContent xmlns:mc="http://schemas.openxmlformats.org/markup-compatibility/2006">
     <mc:Choice xmlns:p14="http://schemas.microsoft.com/office/powerpoint/2010/main" Requires="p14">
-      <p:transition spd="slow" p14:dur="3000">
+      <p:transition spd="slow" p14:dur="1500">
         <p14:reveal/>
       </p:transition>
     </mc:Choice>
@@ -6292,7 +6292,7 @@
   </p:clrMapOvr>
   <mc:AlternateContent xmlns:mc="http://schemas.openxmlformats.org/markup-compatibility/2006">
     <mc:Choice xmlns:p14="http://schemas.microsoft.com/office/powerpoint/2010/main" Requires="p14">
-      <p:transition spd="slow" p14:dur="3000">
+      <p:transition spd="slow" p14:dur="1500">
         <p14:reveal/>
       </p:transition>
     </mc:Choice>
@@ -6389,7 +6389,7 @@
   </p:clrMapOvr>
   <mc:AlternateContent xmlns:mc="http://schemas.openxmlformats.org/markup-compatibility/2006">
     <mc:Choice xmlns:p14="http://schemas.microsoft.com/office/powerpoint/2010/main" Requires="p14">
-      <p:transition spd="slow" p14:dur="3000">
+      <p:transition spd="slow" p14:dur="1500">
         <p14:reveal/>
       </p:transition>
     </mc:Choice>
@@ -6486,7 +6486,7 @@
   </p:clrMapOvr>
   <mc:AlternateContent xmlns:mc="http://schemas.openxmlformats.org/markup-compatibility/2006">
     <mc:Choice xmlns:p14="http://schemas.microsoft.com/office/powerpoint/2010/main" Requires="p14">
-      <p:transition spd="slow" p14:dur="3000">
+      <p:transition spd="slow" p14:dur="1500">
         <p14:reveal/>
       </p:transition>
     </mc:Choice>
@@ -6612,7 +6612,7 @@
   </p:clrMapOvr>
   <mc:AlternateContent xmlns:mc="http://schemas.openxmlformats.org/markup-compatibility/2006">
     <mc:Choice xmlns:p14="http://schemas.microsoft.com/office/powerpoint/2010/main" Requires="p14">
-      <p:transition spd="slow" p14:dur="3000">
+      <p:transition spd="slow" p14:dur="1500">
         <p14:reveal/>
       </p:transition>
     </mc:Choice>
@@ -6679,27 +6679,7 @@
                   </a:schemeClr>
                 </a:solidFill>
               </a:rPr>
-              <a:t>A</a:t>
-            </a:r>
-            <a:r>
-              <a:rPr lang="fr-FR" sz="6000" dirty="0" smtClean="0">
-                <a:solidFill>
-                  <a:schemeClr val="accent2">
-                    <a:lumMod val="75000"/>
-                  </a:schemeClr>
-                </a:solidFill>
-              </a:rPr>
-              <a:t>. </a:t>
-            </a:r>
-            <a:r>
-              <a:rPr lang="fr-FR" sz="6000" dirty="0" smtClean="0">
-                <a:solidFill>
-                  <a:schemeClr val="accent2">
-                    <a:lumMod val="75000"/>
-                  </a:schemeClr>
-                </a:solidFill>
-              </a:rPr>
-              <a:t>Plan projet</a:t>
+              <a:t>A. Plan projet</a:t>
             </a:r>
             <a:endParaRPr lang="fr-FR" sz="6000" dirty="0">
               <a:solidFill>
@@ -6750,15 +6730,7 @@
                   <a:srgbClr val="FFC000"/>
                 </a:solidFill>
               </a:rPr>
-              <a:t>) </a:t>
-            </a:r>
-            <a:r>
-              <a:rPr lang="fr-FR" sz="3200" dirty="0" smtClean="0">
-                <a:solidFill>
-                  <a:srgbClr val="FFC000"/>
-                </a:solidFill>
-              </a:rPr>
-              <a:t>Introduction</a:t>
+              <a:t>) Introduction</a:t>
             </a:r>
           </a:p>
           <a:p>
@@ -6819,13 +6791,13 @@
   <p:clrMapOvr>
     <a:masterClrMapping/>
   </p:clrMapOvr>
-  <mc:AlternateContent xmlns:mc="http://schemas.openxmlformats.org/markup-compatibility/2006" xmlns:p14="http://schemas.microsoft.com/office/powerpoint/2010/main">
-    <mc:Choice Requires="p14">
-      <p:transition spd="slow" p14:dur="3000">
+  <mc:AlternateContent xmlns:mc="http://schemas.openxmlformats.org/markup-compatibility/2006">
+    <mc:Choice xmlns:p14="http://schemas.microsoft.com/office/powerpoint/2010/main" Requires="p14">
+      <p:transition spd="slow" p14:dur="1500">
         <p14:reveal/>
       </p:transition>
     </mc:Choice>
-    <mc:Fallback xmlns="">
+    <mc:Fallback>
       <p:transition spd="slow">
         <p:fade/>
       </p:transition>
@@ -7001,7 +6973,7 @@
   </p:clrMapOvr>
   <mc:AlternateContent xmlns:mc="http://schemas.openxmlformats.org/markup-compatibility/2006">
     <mc:Choice xmlns:p14="http://schemas.microsoft.com/office/powerpoint/2010/main" Requires="p14">
-      <p:transition spd="slow" p14:dur="3000">
+      <p:transition spd="slow" p14:dur="1500">
         <p14:reveal/>
       </p:transition>
     </mc:Choice>
@@ -7145,7 +7117,7 @@
   </p:clrMapOvr>
   <mc:AlternateContent xmlns:mc="http://schemas.openxmlformats.org/markup-compatibility/2006">
     <mc:Choice xmlns:p14="http://schemas.microsoft.com/office/powerpoint/2010/main" Requires="p14">
-      <p:transition spd="slow" p14:dur="3000">
+      <p:transition spd="slow" p14:dur="1500">
         <p14:reveal/>
       </p:transition>
     </mc:Choice>
@@ -7228,7 +7200,7 @@
   </p:clrMapOvr>
   <mc:AlternateContent xmlns:mc="http://schemas.openxmlformats.org/markup-compatibility/2006">
     <mc:Choice xmlns:p14="http://schemas.microsoft.com/office/powerpoint/2010/main" Requires="p14">
-      <p:transition spd="slow" p14:dur="3000">
+      <p:transition spd="slow" p14:dur="1500">
         <p14:reveal/>
       </p:transition>
     </mc:Choice>
@@ -7311,7 +7283,7 @@
   </p:clrMapOvr>
   <mc:AlternateContent xmlns:mc="http://schemas.openxmlformats.org/markup-compatibility/2006">
     <mc:Choice xmlns:p14="http://schemas.microsoft.com/office/powerpoint/2010/main" Requires="p14">
-      <p:transition spd="slow" p14:dur="3000">
+      <p:transition spd="slow" p14:dur="1500">
         <p14:reveal/>
       </p:transition>
     </mc:Choice>
@@ -7394,7 +7366,7 @@
   </p:clrMapOvr>
   <mc:AlternateContent xmlns:mc="http://schemas.openxmlformats.org/markup-compatibility/2006">
     <mc:Choice xmlns:p14="http://schemas.microsoft.com/office/powerpoint/2010/main" Requires="p14">
-      <p:transition spd="slow" p14:dur="3000">
+      <p:transition spd="slow" p14:dur="1500">
         <p14:reveal/>
       </p:transition>
     </mc:Choice>
@@ -7477,7 +7449,7 @@
   </p:clrMapOvr>
   <mc:AlternateContent xmlns:mc="http://schemas.openxmlformats.org/markup-compatibility/2006">
     <mc:Choice xmlns:p14="http://schemas.microsoft.com/office/powerpoint/2010/main" Requires="p14">
-      <p:transition spd="slow" p14:dur="3000">
+      <p:transition spd="slow" p14:dur="1500">
         <p14:reveal/>
       </p:transition>
     </mc:Choice>
@@ -7575,7 +7547,7 @@
   </p:clrMapOvr>
   <mc:AlternateContent xmlns:mc="http://schemas.openxmlformats.org/markup-compatibility/2006">
     <mc:Choice xmlns:p14="http://schemas.microsoft.com/office/powerpoint/2010/main" Requires="p14">
-      <p:transition spd="slow" p14:dur="3000">
+      <p:transition spd="slow" p14:dur="1500">
         <p14:reveal/>
       </p:transition>
     </mc:Choice>
@@ -7696,7 +7668,7 @@
   </p:clrMapOvr>
   <mc:AlternateContent xmlns:mc="http://schemas.openxmlformats.org/markup-compatibility/2006">
     <mc:Choice xmlns:p14="http://schemas.microsoft.com/office/powerpoint/2010/main" Requires="p14">
-      <p:transition spd="slow" p14:dur="3000">
+      <p:transition spd="slow" p14:dur="1500">
         <p14:reveal/>
       </p:transition>
     </mc:Choice>
@@ -7877,7 +7849,7 @@
   </p:clrMapOvr>
   <mc:AlternateContent xmlns:mc="http://schemas.openxmlformats.org/markup-compatibility/2006">
     <mc:Choice xmlns:p14="http://schemas.microsoft.com/office/powerpoint/2010/main" Requires="p14">
-      <p:transition spd="slow" p14:dur="3000">
+      <p:transition spd="slow" p14:dur="1500">
         <p14:reveal/>
       </p:transition>
     </mc:Choice>
@@ -8057,7 +8029,7 @@
   </p:clrMapOvr>
   <mc:AlternateContent xmlns:mc="http://schemas.openxmlformats.org/markup-compatibility/2006">
     <mc:Choice xmlns:p14="http://schemas.microsoft.com/office/powerpoint/2010/main" Requires="p14">
-      <p:transition spd="slow" p14:dur="3000">
+      <p:transition spd="slow" p14:dur="1500">
         <p14:reveal/>
       </p:transition>
     </mc:Choice>
@@ -8263,17 +8235,7 @@
                   </a:schemeClr>
                 </a:solidFill>
               </a:rPr>
-              <a:t>. </a:t>
-            </a:r>
-            <a:r>
-              <a:rPr lang="fr-FR" sz="5400" dirty="0" smtClean="0">
-                <a:solidFill>
-                  <a:schemeClr val="accent2">
-                    <a:lumMod val="75000"/>
-                  </a:schemeClr>
-                </a:solidFill>
-              </a:rPr>
-              <a:t>Plan projet</a:t>
+              <a:t>. Plan projet</a:t>
             </a:r>
             <a:endParaRPr lang="fr-FR" sz="5400" dirty="0">
               <a:solidFill>
@@ -8295,13 +8257,13 @@
   <p:clrMapOvr>
     <a:masterClrMapping/>
   </p:clrMapOvr>
-  <mc:AlternateContent xmlns:mc="http://schemas.openxmlformats.org/markup-compatibility/2006" xmlns:p14="http://schemas.microsoft.com/office/powerpoint/2010/main">
-    <mc:Choice Requires="p14">
-      <p:transition spd="slow" p14:dur="3000">
+  <mc:AlternateContent xmlns:mc="http://schemas.openxmlformats.org/markup-compatibility/2006">
+    <mc:Choice xmlns:p14="http://schemas.microsoft.com/office/powerpoint/2010/main" Requires="p14">
+      <p:transition spd="slow" p14:dur="1500">
         <p14:reveal/>
       </p:transition>
     </mc:Choice>
-    <mc:Fallback xmlns="">
+    <mc:Fallback>
       <p:transition spd="slow">
         <p:fade/>
       </p:transition>
@@ -8649,13 +8611,13 @@
   <p:clrMapOvr>
     <a:masterClrMapping/>
   </p:clrMapOvr>
-  <mc:AlternateContent xmlns:mc="http://schemas.openxmlformats.org/markup-compatibility/2006" xmlns:p14="http://schemas.microsoft.com/office/powerpoint/2010/main">
-    <mc:Choice Requires="p14">
-      <p:transition spd="slow" p14:dur="3000">
+  <mc:AlternateContent xmlns:mc="http://schemas.openxmlformats.org/markup-compatibility/2006">
+    <mc:Choice xmlns:p14="http://schemas.microsoft.com/office/powerpoint/2010/main" Requires="p14">
+      <p:transition spd="slow" p14:dur="1500">
         <p14:reveal/>
       </p:transition>
     </mc:Choice>
-    <mc:Fallback xmlns="">
+    <mc:Fallback>
       <p:transition spd="slow">
         <p:fade/>
       </p:transition>
@@ -8862,13 +8824,13 @@
   <p:clrMapOvr>
     <a:masterClrMapping/>
   </p:clrMapOvr>
-  <mc:AlternateContent xmlns:mc="http://schemas.openxmlformats.org/markup-compatibility/2006" xmlns:p14="http://schemas.microsoft.com/office/powerpoint/2010/main">
-    <mc:Choice Requires="p14">
-      <p:transition spd="slow" p14:dur="3000">
+  <mc:AlternateContent xmlns:mc="http://schemas.openxmlformats.org/markup-compatibility/2006">
+    <mc:Choice xmlns:p14="http://schemas.microsoft.com/office/powerpoint/2010/main" Requires="p14">
+      <p:transition spd="slow" p14:dur="1500">
         <p14:reveal/>
       </p:transition>
     </mc:Choice>
-    <mc:Fallback xmlns="">
+    <mc:Fallback>
       <p:transition spd="slow">
         <p:fade/>
       </p:transition>
@@ -9100,13 +9062,13 @@
   <p:clrMapOvr>
     <a:masterClrMapping/>
   </p:clrMapOvr>
-  <mc:AlternateContent xmlns:mc="http://schemas.openxmlformats.org/markup-compatibility/2006" xmlns:p14="http://schemas.microsoft.com/office/powerpoint/2010/main">
-    <mc:Choice Requires="p14">
-      <p:transition spd="slow" p14:dur="3000">
+  <mc:AlternateContent xmlns:mc="http://schemas.openxmlformats.org/markup-compatibility/2006">
+    <mc:Choice xmlns:p14="http://schemas.microsoft.com/office/powerpoint/2010/main" Requires="p14">
+      <p:transition spd="slow" p14:dur="1500">
         <p14:reveal/>
       </p:transition>
     </mc:Choice>
-    <mc:Fallback xmlns="">
+    <mc:Fallback>
       <p:transition spd="slow">
         <p:fade/>
       </p:transition>
@@ -9235,12 +9197,12 @@
               </a:buClr>
             </a:pPr>
             <a:r>
-              <a:rPr lang="fr-FR" sz="2400" dirty="0" err="1" smtClean="0">
+              <a:rPr lang="fr-FR" sz="2400" dirty="0" smtClean="0">
                 <a:solidFill>
                   <a:srgbClr val="FF0000"/>
                 </a:solidFill>
               </a:rPr>
-              <a:t>Exigenges</a:t>
+              <a:t>Exigences </a:t>
             </a:r>
             <a:r>
               <a:rPr lang="fr-FR" sz="2400" dirty="0" smtClean="0">
@@ -9248,7 +9210,7 @@
                   <a:srgbClr val="FF0000"/>
                 </a:solidFill>
               </a:rPr>
-              <a:t> / Risques identifiés</a:t>
+              <a:t>/ Risques identifiés</a:t>
             </a:r>
             <a:endParaRPr lang="fr-FR" sz="2400" dirty="0">
               <a:solidFill>
@@ -9302,13 +9264,13 @@
   <p:clrMapOvr>
     <a:masterClrMapping/>
   </p:clrMapOvr>
-  <mc:AlternateContent xmlns:mc="http://schemas.openxmlformats.org/markup-compatibility/2006" xmlns:p14="http://schemas.microsoft.com/office/powerpoint/2010/main">
-    <mc:Choice Requires="p14">
-      <p:transition spd="slow" p14:dur="3000">
+  <mc:AlternateContent xmlns:mc="http://schemas.openxmlformats.org/markup-compatibility/2006">
+    <mc:Choice xmlns:p14="http://schemas.microsoft.com/office/powerpoint/2010/main" Requires="p14">
+      <p:transition spd="slow" p14:dur="1500">
         <p14:reveal/>
       </p:transition>
     </mc:Choice>
-    <mc:Fallback xmlns="">
+    <mc:Fallback>
       <p:transition spd="slow">
         <p:fade/>
       </p:transition>
@@ -9495,13 +9457,13 @@
   <p:clrMapOvr>
     <a:masterClrMapping/>
   </p:clrMapOvr>
-  <mc:AlternateContent xmlns:mc="http://schemas.openxmlformats.org/markup-compatibility/2006" xmlns:p14="http://schemas.microsoft.com/office/powerpoint/2010/main">
-    <mc:Choice Requires="p14">
-      <p:transition spd="slow" p14:dur="3000">
+  <mc:AlternateContent xmlns:mc="http://schemas.openxmlformats.org/markup-compatibility/2006">
+    <mc:Choice xmlns:p14="http://schemas.microsoft.com/office/powerpoint/2010/main" Requires="p14">
+      <p:transition spd="slow" p14:dur="1500">
         <p14:reveal/>
       </p:transition>
     </mc:Choice>
-    <mc:Fallback xmlns="">
+    <mc:Fallback>
       <p:transition spd="slow">
         <p:fade/>
       </p:transition>
@@ -9648,11 +9610,7 @@
             </a:r>
             <a:r>
               <a:rPr lang="fr-FR" dirty="0" smtClean="0"/>
-              <a:t> </a:t>
-            </a:r>
-            <a:r>
-              <a:rPr lang="fr-FR" dirty="0" smtClean="0"/>
-              <a:t>Mini-Calculatrice</a:t>
+              <a:t> Mini-Calculatrice</a:t>
             </a:r>
           </a:p>
           <a:p>
@@ -9680,13 +9638,13 @@
   <p:clrMapOvr>
     <a:masterClrMapping/>
   </p:clrMapOvr>
-  <mc:AlternateContent xmlns:mc="http://schemas.openxmlformats.org/markup-compatibility/2006" xmlns:p14="http://schemas.microsoft.com/office/powerpoint/2010/main">
-    <mc:Choice Requires="p14">
-      <p:transition spd="slow" p14:dur="3000">
+  <mc:AlternateContent xmlns:mc="http://schemas.openxmlformats.org/markup-compatibility/2006">
+    <mc:Choice xmlns:p14="http://schemas.microsoft.com/office/powerpoint/2010/main" Requires="p14">
+      <p:transition spd="slow" p14:dur="1500">
         <p14:reveal/>
       </p:transition>
     </mc:Choice>
-    <mc:Fallback xmlns="">
+    <mc:Fallback>
       <p:transition spd="slow">
         <p:fade/>
       </p:transition>
@@ -9745,7 +9703,7 @@
     </a:clrScheme>
     <a:fontScheme name="Rétrospective">
       <a:majorFont>
-        <a:latin typeface="Calibri Light" panose="020F0302020204030204"/>
+        <a:latin typeface="Calibri Light"/>
         <a:ea typeface=""/>
         <a:cs typeface=""/>
         <a:font script="Jpan" typeface="ＭＳ Ｐゴシック"/>
@@ -9780,7 +9738,7 @@
         <a:font script="Geor" typeface="Sylfaen"/>
       </a:majorFont>
       <a:minorFont>
-        <a:latin typeface="Calibri" panose="020F0502020204030204"/>
+        <a:latin typeface="Calibri"/>
         <a:ea typeface=""/>
         <a:cs typeface=""/>
         <a:font script="Jpan" typeface="ＭＳ Ｐゴシック"/>
@@ -9979,7 +9937,7 @@
   <a:extraClrSchemeLst/>
   <a:extLst>
     <a:ext uri="{05A4C25C-085E-4340-85A3-A5531E510DB2}">
-      <thm15:themeFamily xmlns:thm15="http://schemas.microsoft.com/office/thememl/2012/main" name="Retrospect" id="{5F128B03-DCCA-4EEB-AB3B-CF2899314A46}" vid="{3F1AAB62-24C6-49D2-8E01-B56FAC9A3DCD}"/>
+      <thm15:themeFamily xmlns:thm15="http://schemas.microsoft.com/office/thememl/2012/main" xmlns="" name="Retrospect" id="{5F128B03-DCCA-4EEB-AB3B-CF2899314A46}" vid="{3F1AAB62-24C6-49D2-8E01-B56FAC9A3DCD}"/>
     </a:ext>
   </a:extLst>
 </a:theme>
